--- a/test.pptx
+++ b/test.pptx
@@ -3254,6 +3254,10 @@
           <a:bodyPr/>
           <a:lstStyle/>
           <a:p>
+            <a:r>
+              <a:rPr kumimoji="1" lang="en-US" altLang="ja-JP"/>
+              <a:t>test</a:t>
+            </a:r>
             <a:endParaRPr kumimoji="1" lang="ja-JP" altLang="en-US"/>
           </a:p>
         </p:txBody>
